--- a/GSA Hackathon (1).pptx
+++ b/GSA Hackathon (1).pptx
@@ -92,6 +92,22 @@
       </a:defRPr>
     </a:lvl9pPr>
   </p:defaultTextStyle>
+  <p:extLst>
+    <p:ext uri="{EFAFB233-063F-42B5-8137-9DF3F51BA10A}">
+      <p15:sldGuideLst xmlns:p15="http://schemas.microsoft.com/office/powerpoint/2012/main">
+        <p15:guide id="1" orient="horz" pos="4320">
+          <p15:clr>
+            <a:srgbClr val="A4A3A4"/>
+          </p15:clr>
+        </p15:guide>
+        <p15:guide id="2" pos="7680">
+          <p15:clr>
+            <a:srgbClr val="A4A3A4"/>
+          </p15:clr>
+        </p15:guide>
+      </p15:sldGuideLst>
+    </p:ext>
+  </p:extLst>
 </p:presentation>
 </file>
 
@@ -450,7 +466,7 @@
   <p:clrMapOvr>
     <a:masterClrMapping/>
   </p:clrMapOvr>
-  <p:transition xmlns:p14="http://schemas.microsoft.com/office/powerpoint/2010/main" spd="med"/>
+  <p:transition spd="med"/>
 </p:sldLayout>
 </file>
 
@@ -476,7 +492,7 @@
   <p:clrMapOvr>
     <a:masterClrMapping/>
   </p:clrMapOvr>
-  <p:transition xmlns:p14="http://schemas.microsoft.com/office/powerpoint/2010/main" spd="med"/>
+  <p:transition spd="med"/>
 </p:sldLayout>
 </file>
 
@@ -502,7 +518,7 @@
   <p:clrMapOvr>
     <a:masterClrMapping/>
   </p:clrMapOvr>
-  <p:transition xmlns:p14="http://schemas.microsoft.com/office/powerpoint/2010/main" spd="med"/>
+  <p:transition spd="med"/>
 </p:sldLayout>
 </file>
 
@@ -528,7 +544,7 @@
   <p:clrMapOvr>
     <a:masterClrMapping/>
   </p:clrMapOvr>
-  <p:transition xmlns:p14="http://schemas.microsoft.com/office/powerpoint/2010/main" spd="med"/>
+  <p:transition spd="med"/>
 </p:sldLayout>
 </file>
 
@@ -697,7 +713,7 @@
   <p:clrMapOvr>
     <a:masterClrMapping/>
   </p:clrMapOvr>
-  <p:transition xmlns:p14="http://schemas.microsoft.com/office/powerpoint/2010/main" spd="med"/>
+  <p:transition spd="med"/>
 </p:sldLayout>
 </file>
 
@@ -756,7 +772,7 @@
   <p:clrMapOvr>
     <a:masterClrMapping/>
   </p:clrMapOvr>
-  <p:transition xmlns:p14="http://schemas.microsoft.com/office/powerpoint/2010/main" spd="med"/>
+  <p:transition spd="med"/>
 </p:sldLayout>
 </file>
 
@@ -929,7 +945,7 @@
   <p:clrMapOvr>
     <a:masterClrMapping/>
   </p:clrMapOvr>
-  <p:transition xmlns:p14="http://schemas.microsoft.com/office/powerpoint/2010/main" spd="med"/>
+  <p:transition spd="med"/>
 </p:sldLayout>
 </file>
 
@@ -984,7 +1000,7 @@
   <p:clrMapOvr>
     <a:masterClrMapping/>
   </p:clrMapOvr>
-  <p:transition xmlns:p14="http://schemas.microsoft.com/office/powerpoint/2010/main" spd="med"/>
+  <p:transition spd="med"/>
 </p:sldLayout>
 </file>
 
@@ -1104,7 +1120,7 @@
   <p:clrMapOvr>
     <a:masterClrMapping/>
   </p:clrMapOvr>
-  <p:transition xmlns:p14="http://schemas.microsoft.com/office/powerpoint/2010/main" spd="med"/>
+  <p:transition spd="med"/>
 </p:sldLayout>
 </file>
 
@@ -1259,7 +1275,7 @@
   <p:clrMapOvr>
     <a:masterClrMapping/>
   </p:clrMapOvr>
-  <p:transition xmlns:p14="http://schemas.microsoft.com/office/powerpoint/2010/main" spd="med"/>
+  <p:transition spd="med"/>
 </p:sldLayout>
 </file>
 
@@ -1354,7 +1370,7 @@
   <p:clrMapOvr>
     <a:masterClrMapping/>
   </p:clrMapOvr>
-  <p:transition xmlns:p14="http://schemas.microsoft.com/office/powerpoint/2010/main" spd="med"/>
+  <p:transition spd="med"/>
 </p:sldLayout>
 </file>
 
@@ -1380,7 +1396,7 @@
   <p:clrMapOvr>
     <a:masterClrMapping/>
   </p:clrMapOvr>
-  <p:transition xmlns:p14="http://schemas.microsoft.com/office/powerpoint/2010/main" spd="med"/>
+  <p:transition spd="med"/>
 </p:sldLayout>
 </file>
 
@@ -1432,7 +1448,7 @@
           </a:ln>
           <a:extLst>
             <a:ext uri="{C572A759-6A51-4108-AA02-DFA0A04FC94B}">
-              <ma14:wrappingTextBoxFlag xmlns:ma14="http://schemas.microsoft.com/office/mac/drawingml/2011/main" val="1"/>
+              <ma14:wrappingTextBoxFlag xmlns="" xmlns:ma14="http://schemas.microsoft.com/office/mac/drawingml/2011/main" val="1"/>
             </a:ext>
           </a:extLst>
         </p:spPr>
@@ -1475,7 +1491,7 @@
           </a:ln>
           <a:extLst>
             <a:ext uri="{C572A759-6A51-4108-AA02-DFA0A04FC94B}">
-              <ma14:wrappingTextBoxFlag xmlns:ma14="http://schemas.microsoft.com/office/mac/drawingml/2011/main" val="1"/>
+              <ma14:wrappingTextBoxFlag xmlns="" xmlns:ma14="http://schemas.microsoft.com/office/mac/drawingml/2011/main" val="1"/>
             </a:ext>
           </a:extLst>
         </p:spPr>
@@ -1548,7 +1564,7 @@
     <p:sldLayoutId id="2147483659" r:id="rId11"/>
     <p:sldLayoutId id="2147483660" r:id="rId12"/>
   </p:sldLayoutIdLst>
-  <p:transition xmlns:p14="http://schemas.microsoft.com/office/powerpoint/2010/main" spd="med"/>
+  <p:transition spd="med"/>
   <p:txStyles>
     <p:titleStyle>
       <a:lvl1pPr algn="ctr" defTabSz="825500">
@@ -2064,11 +2080,11 @@
   <p:clrMapOvr>
     <a:masterClrMapping/>
   </p:clrMapOvr>
-  <p:transition xmlns:p14="http://schemas.microsoft.com/office/powerpoint/2010/main" spd="med"/>
+  <p:transition spd="med"/>
   <p:timing>
     <p:tnLst>
       <p:par>
-        <p:cTn xmlns:p14="http://schemas.microsoft.com/office/powerpoint/2010/main" id="1" dur="indefinite" restart="never" nodeType="tmRoot"/>
+        <p:cTn id="1" dur="indefinite" restart="never" nodeType="tmRoot"/>
       </p:par>
     </p:tnLst>
   </p:timing>
@@ -2140,7 +2156,7 @@
           </a:ln>
           <a:extLst>
             <a:ext uri="{C572A759-6A51-4108-AA02-DFA0A04FC94B}">
-              <ma14:wrappingTextBoxFlag xmlns:ma14="http://schemas.microsoft.com/office/mac/drawingml/2011/main" val="1"/>
+              <ma14:wrappingTextBoxFlag xmlns="" xmlns:ma14="http://schemas.microsoft.com/office/mac/drawingml/2011/main" val="1"/>
             </a:ext>
           </a:extLst>
         </p:spPr>
@@ -2154,8 +2170,22 @@
               <a:defRPr sz="1800"/>
             </a:pPr>
             <a:r>
-              <a:rPr sz="3900"/>
+              <a:rPr sz="3900" dirty="0"/>
               <a:t>Tarandeep Dhupar</a:t>
+            </a:r>
+          </a:p>
+          <a:p>
+            <a:pPr lvl="0">
+              <a:defRPr sz="1800"/>
+            </a:pPr>
+            <a:r>
+              <a:rPr sz="3900" b="1" u="sng" dirty="0">
+                <a:latin typeface="Helvetica"/>
+                <a:ea typeface="Helvetica"/>
+                <a:cs typeface="Helvetica"/>
+                <a:sym typeface="Helvetica"/>
+              </a:rPr>
+              <a:t>Technical Lead/</a:t>
             </a:r>
           </a:p>
           <a:p>
@@ -2169,22 +2199,23 @@
                 <a:cs typeface="Helvetica"/>
                 <a:sym typeface="Helvetica"/>
               </a:rPr>
-              <a:t>Technical Lead/</a:t>
-            </a:r>
-          </a:p>
-          <a:p>
-            <a:pPr lvl="0">
-              <a:defRPr sz="1800"/>
-            </a:pPr>
-            <a:r>
-              <a:rPr sz="3900" b="1" u="sng">
+              <a:t>Data </a:t>
+            </a:r>
+            <a:r>
+              <a:rPr lang="en-US" sz="3900" b="1" u="sng" smtClean="0">
                 <a:latin typeface="Helvetica"/>
                 <a:ea typeface="Helvetica"/>
                 <a:cs typeface="Helvetica"/>
                 <a:sym typeface="Helvetica"/>
               </a:rPr>
-              <a:t>Data Scientist</a:t>
-            </a:r>
+              <a:t>Analyst</a:t>
+            </a:r>
+            <a:endParaRPr sz="3900" b="1" u="sng" dirty="0">
+              <a:latin typeface="Helvetica"/>
+              <a:ea typeface="Helvetica"/>
+              <a:cs typeface="Helvetica"/>
+              <a:sym typeface="Helvetica"/>
+            </a:endParaRPr>
           </a:p>
         </p:txBody>
       </p:sp>
@@ -2207,7 +2238,7 @@
           </a:ln>
           <a:extLst>
             <a:ext uri="{C572A759-6A51-4108-AA02-DFA0A04FC94B}">
-              <ma14:wrappingTextBoxFlag xmlns:ma14="http://schemas.microsoft.com/office/mac/drawingml/2011/main" val="1"/>
+              <ma14:wrappingTextBoxFlag xmlns="" xmlns:ma14="http://schemas.microsoft.com/office/mac/drawingml/2011/main" val="1"/>
             </a:ext>
           </a:extLst>
         </p:spPr>
@@ -2269,7 +2300,7 @@
           </a:ln>
           <a:extLst>
             <a:ext uri="{C572A759-6A51-4108-AA02-DFA0A04FC94B}">
-              <ma14:wrappingTextBoxFlag xmlns:ma14="http://schemas.microsoft.com/office/mac/drawingml/2011/main" val="1"/>
+              <ma14:wrappingTextBoxFlag xmlns="" xmlns:ma14="http://schemas.microsoft.com/office/mac/drawingml/2011/main" val="1"/>
             </a:ext>
           </a:extLst>
         </p:spPr>
@@ -2340,7 +2371,7 @@
           </a:ln>
           <a:extLst>
             <a:ext uri="{C572A759-6A51-4108-AA02-DFA0A04FC94B}">
-              <ma14:wrappingTextBoxFlag xmlns:ma14="http://schemas.microsoft.com/office/mac/drawingml/2011/main" val="1"/>
+              <ma14:wrappingTextBoxFlag xmlns="" xmlns:ma14="http://schemas.microsoft.com/office/mac/drawingml/2011/main" val="1"/>
             </a:ext>
           </a:extLst>
         </p:spPr>
@@ -2613,13 +2644,13 @@
   <p:clrMapOvr>
     <a:masterClrMapping/>
   </p:clrMapOvr>
-  <p:transition xmlns:p14="http://schemas.microsoft.com/office/powerpoint/2010/main" spd="slow">
+  <p:transition spd="slow">
     <p:blinds dir="vert"/>
   </p:transition>
   <p:timing>
     <p:tnLst>
       <p:par>
-        <p:cTn xmlns:p14="http://schemas.microsoft.com/office/powerpoint/2010/main" id="1" dur="indefinite" restart="never" nodeType="tmRoot"/>
+        <p:cTn id="1" dur="indefinite" restart="never" nodeType="tmRoot"/>
       </p:par>
     </p:tnLst>
   </p:timing>
@@ -2698,7 +2729,7 @@
               <a:defRPr sz="1800"/>
             </a:pPr>
             <a:r>
-              <a:rPr sz="2236" b="1" u="sng">
+              <a:rPr sz="2236" b="1" u="sng" dirty="0">
                 <a:latin typeface="Helvetica"/>
                 <a:ea typeface="Helvetica"/>
                 <a:cs typeface="Helvetica"/>
@@ -2707,7 +2738,7 @@
               <a:t>FOR</a:t>
             </a:r>
             <a:r>
-              <a:rPr sz="2236"/>
+              <a:rPr sz="2236" dirty="0"/>
               <a:t>: GSA IT, GSA Management, Data Center Staff Offices and OMB</a:t>
             </a:r>
           </a:p>
@@ -2719,7 +2750,7 @@
               <a:defRPr sz="1800"/>
             </a:pPr>
             <a:r>
-              <a:rPr sz="2236" b="1" u="sng">
+              <a:rPr sz="2236" b="1" u="sng" dirty="0">
                 <a:latin typeface="Helvetica"/>
                 <a:ea typeface="Helvetica"/>
                 <a:cs typeface="Helvetica"/>
@@ -2728,7 +2759,7 @@
               <a:t>WHO</a:t>
             </a:r>
             <a:r>
-              <a:rPr sz="2236"/>
+              <a:rPr sz="2236" dirty="0"/>
               <a:t>: wants to maintain a data center inventory, analyze it and generate reports</a:t>
             </a:r>
           </a:p>
@@ -2740,7 +2771,7 @@
               <a:defRPr sz="1800"/>
             </a:pPr>
             <a:r>
-              <a:rPr sz="2236" b="1" u="sng">
+              <a:rPr sz="2236" b="1" u="sng" dirty="0">
                 <a:latin typeface="Helvetica"/>
                 <a:ea typeface="Helvetica"/>
                 <a:cs typeface="Helvetica"/>
@@ -2749,9 +2780,14 @@
               <a:t>THE</a:t>
             </a:r>
             <a:r>
-              <a:rPr sz="2236"/>
-              <a:t>: Data Center Mashup Tool</a:t>
-            </a:r>
+              <a:rPr sz="2236" dirty="0"/>
+              <a:t>: Data Center </a:t>
+            </a:r>
+            <a:r>
+              <a:rPr lang="en-US" sz="2236" dirty="0" smtClean="0"/>
+              <a:t>Dashboard</a:t>
+            </a:r>
+            <a:endParaRPr sz="2236" dirty="0"/>
           </a:p>
           <a:p>
             <a:pPr marL="273050" lvl="0" indent="-273050" defTabSz="354965">
@@ -2761,7 +2797,7 @@
               <a:defRPr sz="1800"/>
             </a:pPr>
             <a:r>
-              <a:rPr sz="2236" b="1" u="sng">
+              <a:rPr sz="2236" b="1" u="sng" dirty="0">
                 <a:latin typeface="Helvetica"/>
                 <a:ea typeface="Helvetica"/>
                 <a:cs typeface="Helvetica"/>
@@ -2770,7 +2806,7 @@
               <a:t>IS A</a:t>
             </a:r>
             <a:r>
-              <a:rPr sz="2236"/>
+              <a:rPr sz="2236" dirty="0"/>
               <a:t>: Data Center Inventory Portal</a:t>
             </a:r>
           </a:p>
@@ -2782,7 +2818,7 @@
               <a:defRPr sz="1800"/>
             </a:pPr>
             <a:r>
-              <a:rPr sz="2236" b="1" u="sng">
+              <a:rPr sz="2236" b="1" u="sng" dirty="0">
                 <a:latin typeface="Helvetica"/>
                 <a:ea typeface="Helvetica"/>
                 <a:cs typeface="Helvetica"/>
@@ -2791,7 +2827,7 @@
               <a:t>THAT</a:t>
             </a:r>
             <a:r>
-              <a:rPr sz="2236"/>
+              <a:rPr sz="2236" dirty="0"/>
               <a:t>: Consolidates the ability to maintain, analyze and reports data center inventory</a:t>
             </a:r>
           </a:p>
@@ -2803,7 +2839,7 @@
               <a:defRPr sz="1800"/>
             </a:pPr>
             <a:r>
-              <a:rPr sz="2236" b="1" u="sng">
+              <a:rPr sz="2236" b="1" u="sng" dirty="0">
                 <a:latin typeface="Helvetica"/>
                 <a:ea typeface="Helvetica"/>
                 <a:cs typeface="Helvetica"/>
@@ -2812,7 +2848,7 @@
               <a:t>UNLIKE</a:t>
             </a:r>
             <a:r>
-              <a:rPr sz="2236"/>
+              <a:rPr sz="2236" dirty="0"/>
               <a:t>: the current disparate inventory data collection process</a:t>
             </a:r>
           </a:p>
@@ -2824,7 +2860,7 @@
               <a:defRPr sz="1800"/>
             </a:pPr>
             <a:r>
-              <a:rPr sz="2236" b="1" u="sng">
+              <a:rPr sz="2236" b="1" u="sng" dirty="0">
                 <a:latin typeface="Helvetica"/>
                 <a:ea typeface="Helvetica"/>
                 <a:cs typeface="Helvetica"/>
@@ -2833,7 +2869,7 @@
               <a:t>OUR SOLUTION</a:t>
             </a:r>
             <a:r>
-              <a:rPr sz="2236"/>
+              <a:rPr sz="2236" dirty="0"/>
               <a:t>:  is the next generation method to collect and report on data center inventory data</a:t>
             </a:r>
           </a:p>
@@ -2845,7 +2881,7 @@
               <a:defRPr sz="1800"/>
             </a:pPr>
             <a:r>
-              <a:rPr sz="2236" b="1" u="sng">
+              <a:rPr sz="2236" b="1" u="sng" dirty="0">
                 <a:latin typeface="Helvetica"/>
                 <a:ea typeface="Helvetica"/>
                 <a:cs typeface="Helvetica"/>
@@ -2854,7 +2890,7 @@
               <a:t>SUCCESS CRITERIA</a:t>
             </a:r>
             <a:r>
-              <a:rPr sz="2236"/>
+              <a:rPr sz="2236" dirty="0"/>
               <a:t>:</a:t>
             </a:r>
           </a:p>
@@ -2866,7 +2902,7 @@
               <a:defRPr sz="1800"/>
             </a:pPr>
             <a:r>
-              <a:rPr sz="2236"/>
+              <a:rPr sz="2236" dirty="0"/>
               <a:t>Create a centralized inventory and portal where all staff offices can input their data and updates inventory in real time</a:t>
             </a:r>
           </a:p>
@@ -2878,7 +2914,7 @@
               <a:defRPr sz="1800"/>
             </a:pPr>
             <a:r>
-              <a:rPr sz="2236"/>
+              <a:rPr sz="2236" dirty="0"/>
               <a:t>Creating relational tables where data can be queries, re-arranged and viewed for analysis</a:t>
             </a:r>
           </a:p>
@@ -2890,7 +2926,7 @@
               <a:defRPr sz="1800"/>
             </a:pPr>
             <a:r>
-              <a:rPr sz="2236"/>
+              <a:rPr sz="2236" dirty="0"/>
               <a:t>Put controls in place that ensures data accuracy and integrity</a:t>
             </a:r>
           </a:p>
@@ -2902,7 +2938,7 @@
               <a:defRPr sz="1800"/>
             </a:pPr>
             <a:r>
-              <a:rPr sz="2236"/>
+              <a:rPr sz="2236" dirty="0"/>
               <a:t>Ability to compute quarterly data center costs by comparing inventories to the last quarter and applying cost savings and avoidance metrics</a:t>
             </a:r>
           </a:p>
@@ -2914,7 +2950,7 @@
               <a:defRPr sz="1800"/>
             </a:pPr>
             <a:r>
-              <a:rPr sz="2236"/>
+              <a:rPr sz="2236" dirty="0"/>
               <a:t>Maintain an audit trail for each quarter</a:t>
             </a:r>
           </a:p>
@@ -2926,7 +2962,7 @@
               <a:defRPr sz="1800"/>
             </a:pPr>
             <a:r>
-              <a:rPr sz="2236"/>
+              <a:rPr sz="2236" dirty="0"/>
               <a:t>Ability to be tailored to reflect government agency realities and changing OMB guidance.</a:t>
             </a:r>
           </a:p>
@@ -2964,13 +3000,13 @@
   <p:clrMapOvr>
     <a:masterClrMapping/>
   </p:clrMapOvr>
-  <p:transition xmlns:p14="http://schemas.microsoft.com/office/powerpoint/2010/main" spd="med">
+  <p:transition spd="med">
     <p:blinds dir="vert"/>
   </p:transition>
   <p:timing>
     <p:tnLst>
       <p:par>
-        <p:cTn xmlns:p14="http://schemas.microsoft.com/office/powerpoint/2010/main" id="1" dur="indefinite" restart="never" nodeType="tmRoot"/>
+        <p:cTn id="1" dur="indefinite" restart="never" nodeType="tmRoot"/>
       </p:par>
     </p:tnLst>
   </p:timing>
@@ -3111,13 +3147,13 @@
   <p:clrMapOvr>
     <a:masterClrMapping/>
   </p:clrMapOvr>
-  <p:transition xmlns:p14="http://schemas.microsoft.com/office/powerpoint/2010/main" spd="med">
+  <p:transition spd="med">
     <p:blinds dir="vert"/>
   </p:transition>
   <p:timing>
     <p:tnLst>
       <p:par>
-        <p:cTn xmlns:p14="http://schemas.microsoft.com/office/powerpoint/2010/main" id="1" dur="indefinite" restart="never" nodeType="tmRoot"/>
+        <p:cTn id="1" dur="indefinite" restart="never" nodeType="tmRoot"/>
       </p:par>
     </p:tnLst>
   </p:timing>
@@ -3312,13 +3348,13 @@
   <p:clrMapOvr>
     <a:masterClrMapping/>
   </p:clrMapOvr>
-  <p:transition xmlns:p14="http://schemas.microsoft.com/office/powerpoint/2010/main" spd="med">
+  <p:transition spd="med">
     <p:blinds dir="vert"/>
   </p:transition>
   <p:timing>
     <p:tnLst>
       <p:par>
-        <p:cTn xmlns:p14="http://schemas.microsoft.com/office/powerpoint/2010/main" id="1" dur="indefinite" restart="never" nodeType="tmRoot"/>
+        <p:cTn id="1" dur="indefinite" restart="never" nodeType="tmRoot"/>
       </p:par>
     </p:tnLst>
   </p:timing>
@@ -3430,13 +3466,13 @@
   <p:clrMapOvr>
     <a:masterClrMapping/>
   </p:clrMapOvr>
-  <p:transition xmlns:p14="http://schemas.microsoft.com/office/powerpoint/2010/main" spd="med">
+  <p:transition spd="med">
     <p:blinds dir="vert"/>
   </p:transition>
   <p:timing>
     <p:tnLst>
       <p:par>
-        <p:cTn xmlns:p14="http://schemas.microsoft.com/office/powerpoint/2010/main" id="1" dur="indefinite" restart="never" nodeType="tmRoot"/>
+        <p:cTn id="1" dur="indefinite" restart="never" nodeType="tmRoot"/>
       </p:par>
     </p:tnLst>
   </p:timing>
@@ -3525,13 +3561,13 @@
   <p:clrMapOvr>
     <a:masterClrMapping/>
   </p:clrMapOvr>
-  <p:transition xmlns:p14="http://schemas.microsoft.com/office/powerpoint/2010/main" spd="med">
+  <p:transition spd="med">
     <p:blinds dir="vert"/>
   </p:transition>
   <p:timing>
     <p:tnLst>
       <p:par>
-        <p:cTn xmlns:p14="http://schemas.microsoft.com/office/powerpoint/2010/main" id="1" dur="indefinite" restart="never" nodeType="tmRoot"/>
+        <p:cTn id="1" dur="indefinite" restart="never" nodeType="tmRoot"/>
       </p:par>
     </p:tnLst>
   </p:timing>

--- a/GSA Hackathon (1).pptx
+++ b/GSA Hackathon (1).pptx
@@ -1448,7 +1448,7 @@
           </a:ln>
           <a:extLst>
             <a:ext uri="{C572A759-6A51-4108-AA02-DFA0A04FC94B}">
-              <ma14:wrappingTextBoxFlag xmlns="" xmlns:ma14="http://schemas.microsoft.com/office/mac/drawingml/2011/main" val="1"/>
+              <ma14:wrappingTextBoxFlag xmlns:ma14="http://schemas.microsoft.com/office/mac/drawingml/2011/main" xmlns="" val="1"/>
             </a:ext>
           </a:extLst>
         </p:spPr>
@@ -1491,7 +1491,7 @@
           </a:ln>
           <a:extLst>
             <a:ext uri="{C572A759-6A51-4108-AA02-DFA0A04FC94B}">
-              <ma14:wrappingTextBoxFlag xmlns="" xmlns:ma14="http://schemas.microsoft.com/office/mac/drawingml/2011/main" val="1"/>
+              <ma14:wrappingTextBoxFlag xmlns:ma14="http://schemas.microsoft.com/office/mac/drawingml/2011/main" xmlns="" val="1"/>
             </a:ext>
           </a:extLst>
         </p:spPr>
@@ -2156,7 +2156,7 @@
           </a:ln>
           <a:extLst>
             <a:ext uri="{C572A759-6A51-4108-AA02-DFA0A04FC94B}">
-              <ma14:wrappingTextBoxFlag xmlns="" xmlns:ma14="http://schemas.microsoft.com/office/mac/drawingml/2011/main" val="1"/>
+              <ma14:wrappingTextBoxFlag xmlns:ma14="http://schemas.microsoft.com/office/mac/drawingml/2011/main" xmlns="" val="1"/>
             </a:ext>
           </a:extLst>
         </p:spPr>
@@ -2238,7 +2238,7 @@
           </a:ln>
           <a:extLst>
             <a:ext uri="{C572A759-6A51-4108-AA02-DFA0A04FC94B}">
-              <ma14:wrappingTextBoxFlag xmlns="" xmlns:ma14="http://schemas.microsoft.com/office/mac/drawingml/2011/main" val="1"/>
+              <ma14:wrappingTextBoxFlag xmlns:ma14="http://schemas.microsoft.com/office/mac/drawingml/2011/main" xmlns="" val="1"/>
             </a:ext>
           </a:extLst>
         </p:spPr>
@@ -2300,7 +2300,7 @@
           </a:ln>
           <a:extLst>
             <a:ext uri="{C572A759-6A51-4108-AA02-DFA0A04FC94B}">
-              <ma14:wrappingTextBoxFlag xmlns="" xmlns:ma14="http://schemas.microsoft.com/office/mac/drawingml/2011/main" val="1"/>
+              <ma14:wrappingTextBoxFlag xmlns:ma14="http://schemas.microsoft.com/office/mac/drawingml/2011/main" xmlns="" val="1"/>
             </a:ext>
           </a:extLst>
         </p:spPr>
@@ -2371,7 +2371,7 @@
           </a:ln>
           <a:extLst>
             <a:ext uri="{C572A759-6A51-4108-AA02-DFA0A04FC94B}">
-              <ma14:wrappingTextBoxFlag xmlns="" xmlns:ma14="http://schemas.microsoft.com/office/mac/drawingml/2011/main" val="1"/>
+              <ma14:wrappingTextBoxFlag xmlns:ma14="http://schemas.microsoft.com/office/mac/drawingml/2011/main" xmlns="" val="1"/>
             </a:ext>
           </a:extLst>
         </p:spPr>
@@ -2781,11 +2781,15 @@
             </a:r>
             <a:r>
               <a:rPr sz="2236" dirty="0"/>
-              <a:t>: Data Center </a:t>
-            </a:r>
-            <a:r>
-              <a:rPr lang="en-US" sz="2236" dirty="0" smtClean="0"/>
-              <a:t>Dashboard</a:t>
+              <a:t>: Data </a:t>
+            </a:r>
+            <a:r>
+              <a:rPr sz="2236"/>
+              <a:t>Center </a:t>
+            </a:r>
+            <a:r>
+              <a:rPr lang="en-US" sz="2236" smtClean="0"/>
+              <a:t>Manager</a:t>
             </a:r>
             <a:endParaRPr sz="2236" dirty="0"/>
           </a:p>
